--- a/branch_presentation.pptx
+++ b/branch_presentation.pptx
@@ -3674,11 +3674,11 @@
           <a:p>
             <a:r>
               <a:rPr lang="en-US" dirty="0" smtClean="0"/>
-              <a:t>Owning more </a:t>
+              <a:t>Owning more devices establishes </a:t>
             </a:r>
             <a:r>
               <a:rPr lang="en-US" dirty="0" smtClean="0"/>
-              <a:t>devices appears to establish borrower </a:t>
+              <a:t>borrower </a:t>
             </a:r>
             <a:r>
               <a:rPr lang="en-US" dirty="0" smtClean="0"/>
@@ -3819,17 +3819,202 @@
         </p:nvSpPr>
         <p:spPr/>
         <p:txBody>
-          <a:bodyPr/>
-          <a:lstStyle/>
+          <a:bodyPr>
+            <a:normAutofit/>
+          </a:bodyPr>
+          <a:lstStyle/>
+          <a:p>
+            <a:pPr marL="114300" indent="0">
+              <a:buNone/>
+            </a:pPr>
+            <a:endParaRPr lang="en-US" dirty="0"/>
+          </a:p>
           <a:p>
             <a:r>
               <a:rPr lang="en-US" dirty="0" smtClean="0"/>
-              <a:t>Show hist. with tags (n= __)</a:t>
-            </a:r>
-            <a:endParaRPr lang="en-US" dirty="0"/>
-          </a:p>
-        </p:txBody>
-      </p:sp>
+              <a:t>Number of contacts a weak predictor (R=.1175, p=.0188)</a:t>
+            </a:r>
+          </a:p>
+          <a:p>
+            <a:r>
+              <a:rPr lang="en-US" dirty="0" smtClean="0"/>
+              <a:t>Still, users with very few contacts much less likely to default</a:t>
+            </a:r>
+            <a:endParaRPr lang="en-US" dirty="0" smtClean="0"/>
+          </a:p>
+          <a:p>
+            <a:r>
+              <a:rPr lang="en-US" dirty="0" smtClean="0"/>
+              <a:t>Future opportunities to assess a borrower based on reliability of contacts</a:t>
+            </a:r>
+          </a:p>
+        </p:txBody>
+      </p:sp>
+      <p:graphicFrame>
+        <p:nvGraphicFramePr>
+          <p:cNvPr id="4" name="Table 3"/>
+          <p:cNvGraphicFramePr>
+            <a:graphicFrameLocks noGrp="1"/>
+          </p:cNvGraphicFramePr>
+          <p:nvPr>
+            <p:extLst>
+              <p:ext uri="{D42A27DB-BD31-4B8C-83A1-F6EECF244321}">
+                <p14:modId xmlns:p14="http://schemas.microsoft.com/office/powerpoint/2010/main" val="3228179359"/>
+              </p:ext>
+            </p:extLst>
+          </p:nvPr>
+        </p:nvGraphicFramePr>
+        <p:xfrm>
+          <a:off x="1189533" y="4221075"/>
+          <a:ext cx="3237909" cy="1112520"/>
+        </p:xfrm>
+        <a:graphic>
+          <a:graphicData uri="http://schemas.openxmlformats.org/drawingml/2006/table">
+            <a:tbl>
+              <a:tblPr firstRow="1" bandRow="1">
+                <a:tableStyleId>{5C22544A-7EE6-4342-B048-85BDC9FD1C3A}</a:tableStyleId>
+              </a:tblPr>
+              <a:tblGrid>
+                <a:gridCol w="1174415"/>
+                <a:gridCol w="1473925"/>
+                <a:gridCol w="589569"/>
+              </a:tblGrid>
+              <a:tr h="370840">
+                <a:tc>
+                  <a:txBody>
+                    <a:bodyPr/>
+                    <a:lstStyle/>
+                    <a:p>
+                      <a:r>
+                        <a:rPr lang="en-US" dirty="0" smtClean="0"/>
+                        <a:t># contacts</a:t>
+                      </a:r>
+                      <a:endParaRPr lang="en-US" dirty="0"/>
+                    </a:p>
+                  </a:txBody>
+                  <a:tcPr/>
+                </a:tc>
+                <a:tc>
+                  <a:txBody>
+                    <a:bodyPr/>
+                    <a:lstStyle/>
+                    <a:p>
+                      <a:r>
+                        <a:rPr lang="en-US" dirty="0" smtClean="0"/>
+                        <a:t>Payback Rate</a:t>
+                      </a:r>
+                      <a:endParaRPr lang="en-US" dirty="0"/>
+                    </a:p>
+                  </a:txBody>
+                  <a:tcPr/>
+                </a:tc>
+                <a:tc>
+                  <a:txBody>
+                    <a:bodyPr/>
+                    <a:lstStyle/>
+                    <a:p>
+                      <a:r>
+                        <a:rPr lang="en-US" dirty="0" smtClean="0"/>
+                        <a:t>n</a:t>
+                      </a:r>
+                      <a:endParaRPr lang="en-US" dirty="0"/>
+                    </a:p>
+                  </a:txBody>
+                  <a:tcPr/>
+                </a:tc>
+              </a:tr>
+              <a:tr h="370840">
+                <a:tc>
+                  <a:txBody>
+                    <a:bodyPr/>
+                    <a:lstStyle/>
+                    <a:p>
+                      <a:r>
+                        <a:rPr lang="en-US" dirty="0" smtClean="0"/>
+                        <a:t>&gt;= 350</a:t>
+                      </a:r>
+                      <a:endParaRPr lang="en-US" dirty="0"/>
+                    </a:p>
+                  </a:txBody>
+                  <a:tcPr/>
+                </a:tc>
+                <a:tc>
+                  <a:txBody>
+                    <a:bodyPr/>
+                    <a:lstStyle/>
+                    <a:p>
+                      <a:r>
+                        <a:rPr lang="en-US" dirty="0" smtClean="0"/>
+                        <a:t>.5685</a:t>
+                      </a:r>
+                      <a:endParaRPr lang="en-US" dirty="0"/>
+                    </a:p>
+                  </a:txBody>
+                  <a:tcPr/>
+                </a:tc>
+                <a:tc>
+                  <a:txBody>
+                    <a:bodyPr/>
+                    <a:lstStyle/>
+                    <a:p>
+                      <a:r>
+                        <a:rPr lang="en-US" dirty="0" smtClean="0"/>
+                        <a:t>197</a:t>
+                      </a:r>
+                      <a:endParaRPr lang="en-US" dirty="0"/>
+                    </a:p>
+                  </a:txBody>
+                  <a:tcPr/>
+                </a:tc>
+              </a:tr>
+              <a:tr h="370840">
+                <a:tc>
+                  <a:txBody>
+                    <a:bodyPr/>
+                    <a:lstStyle/>
+                    <a:p>
+                      <a:r>
+                        <a:rPr lang="en-US" dirty="0" smtClean="0"/>
+                        <a:t>&lt; 350</a:t>
+                      </a:r>
+                      <a:endParaRPr lang="en-US" dirty="0"/>
+                    </a:p>
+                  </a:txBody>
+                  <a:tcPr/>
+                </a:tc>
+                <a:tc>
+                  <a:txBody>
+                    <a:bodyPr/>
+                    <a:lstStyle/>
+                    <a:p>
+                      <a:r>
+                        <a:rPr lang="en-US" dirty="0" smtClean="0"/>
+                        <a:t>.4335</a:t>
+                      </a:r>
+                      <a:endParaRPr lang="en-US" dirty="0"/>
+                    </a:p>
+                  </a:txBody>
+                  <a:tcPr/>
+                </a:tc>
+                <a:tc>
+                  <a:txBody>
+                    <a:bodyPr/>
+                    <a:lstStyle/>
+                    <a:p>
+                      <a:r>
+                        <a:rPr lang="en-US" dirty="0" smtClean="0"/>
+                        <a:t>203</a:t>
+                      </a:r>
+                      <a:endParaRPr lang="en-US" dirty="0"/>
+                    </a:p>
+                  </a:txBody>
+                  <a:tcPr/>
+                </a:tc>
+              </a:tr>
+            </a:tbl>
+          </a:graphicData>
+        </a:graphic>
+      </p:graphicFrame>
     </p:spTree>
     <p:extLst>
       <p:ext uri="{BB962C8B-B14F-4D97-AF65-F5344CB8AC3E}">
@@ -3890,91 +4075,6 @@
           </a:p>
         </p:txBody>
       </p:sp>
-      <p:sp>
-        <p:nvSpPr>
-          <p:cNvPr id="3" name="Content Placeholder 2"/>
-          <p:cNvSpPr>
-            <a:spLocks noGrp="1"/>
-          </p:cNvSpPr>
-          <p:nvPr>
-            <p:ph idx="1"/>
-          </p:nvPr>
-        </p:nvSpPr>
-        <p:spPr>
-          <a:xfrm>
-            <a:off x="457200" y="1600200"/>
-            <a:ext cx="7620000" cy="735886"/>
-          </a:xfrm>
-        </p:spPr>
-        <p:txBody>
-          <a:bodyPr>
-            <a:normAutofit fontScale="92500" lnSpcReduction="10000"/>
-          </a:bodyPr>
-          <a:lstStyle/>
-          <a:p>
-            <a:r>
-              <a:rPr lang="en-US" dirty="0" smtClean="0"/>
-              <a:t>User call count fairly predictive of loan </a:t>
-            </a:r>
-            <a:r>
-              <a:rPr lang="en-US" dirty="0" smtClean="0"/>
-              <a:t>repayment</a:t>
-            </a:r>
-          </a:p>
-          <a:p>
-            <a:pPr marL="114300" indent="0">
-              <a:buNone/>
-            </a:pPr>
-            <a:r>
-              <a:rPr lang="en-US" dirty="0" smtClean="0"/>
-              <a:t>    (R </a:t>
-            </a:r>
-            <a:r>
-              <a:rPr lang="en-US" dirty="0"/>
-              <a:t>= .4915, p &lt; 1e-</a:t>
-            </a:r>
-            <a:r>
-              <a:rPr lang="en-US" dirty="0" smtClean="0"/>
-              <a:t>20)</a:t>
-            </a:r>
-            <a:endParaRPr lang="en-US" dirty="0"/>
-          </a:p>
-        </p:txBody>
-      </p:sp>
-      <p:sp>
-        <p:nvSpPr>
-          <p:cNvPr id="8" name="TextBox 7"/>
-          <p:cNvSpPr txBox="1"/>
-          <p:nvPr/>
-        </p:nvSpPr>
-        <p:spPr>
-          <a:xfrm>
-            <a:off x="4994305" y="725774"/>
-            <a:ext cx="2082621" cy="369332"/>
-          </a:xfrm>
-          <a:prstGeom prst="rect">
-            <a:avLst/>
-          </a:prstGeom>
-          <a:noFill/>
-        </p:spPr>
-        <p:txBody>
-          <a:bodyPr wrap="none" rtlCol="0">
-            <a:spAutoFit/>
-          </a:bodyPr>
-          <a:lstStyle/>
-          <a:p>
-            <a:r>
-              <a:rPr lang="en-US" dirty="0" smtClean="0"/>
-              <a:t>Put </a:t>
-            </a:r>
-            <a:r>
-              <a:rPr lang="en-US" dirty="0" smtClean="0"/>
-              <a:t>stats for cutoffs </a:t>
-            </a:r>
-            <a:endParaRPr lang="en-US" dirty="0"/>
-          </a:p>
-        </p:txBody>
-      </p:sp>
       <p:pic>
         <p:nvPicPr>
           <p:cNvPr id="5" name="Picture 4" descr="call_count_hist.png"/>
@@ -3997,7 +4097,7 @@
         </p:blipFill>
         <p:spPr>
           <a:xfrm>
-            <a:off x="457200" y="2633423"/>
+            <a:off x="457200" y="2860227"/>
             <a:ext cx="5733282" cy="3822188"/>
           </a:xfrm>
           <a:prstGeom prst="rect">
@@ -4005,6 +4105,389 @@
           </a:prstGeom>
         </p:spPr>
       </p:pic>
+      <p:sp>
+        <p:nvSpPr>
+          <p:cNvPr id="7" name="Content Placeholder 2"/>
+          <p:cNvSpPr txBox="1">
+            <a:spLocks/>
+          </p:cNvSpPr>
+          <p:nvPr/>
+        </p:nvSpPr>
+        <p:spPr>
+          <a:xfrm>
+            <a:off x="457200" y="929899"/>
+            <a:ext cx="7620000" cy="2324764"/>
+          </a:xfrm>
+          <a:prstGeom prst="rect">
+            <a:avLst/>
+          </a:prstGeom>
+        </p:spPr>
+        <p:txBody>
+          <a:bodyPr vert="horz" lIns="91440" tIns="45720" rIns="91440" bIns="45720" rtlCol="0">
+            <a:normAutofit/>
+          </a:bodyPr>
+          <a:lstStyle>
+            <a:lvl1pPr marL="342900" indent="-228600" algn="l" defTabSz="914400" rtl="0" eaLnBrk="1" latinLnBrk="0" hangingPunct="1">
+              <a:spcBef>
+                <a:spcPct val="20000"/>
+              </a:spcBef>
+              <a:buClr>
+                <a:schemeClr val="accent1"/>
+              </a:buClr>
+              <a:buFont typeface="Arial" pitchFamily="34" charset="0"/>
+              <a:buChar char="•"/>
+              <a:defRPr sz="2200" kern="1200">
+                <a:solidFill>
+                  <a:schemeClr val="tx1"/>
+                </a:solidFill>
+                <a:latin typeface="+mn-lt"/>
+                <a:ea typeface="+mn-ea"/>
+                <a:cs typeface="+mn-cs"/>
+              </a:defRPr>
+            </a:lvl1pPr>
+            <a:lvl2pPr marL="640080" indent="-228600" algn="l" defTabSz="914400" rtl="0" eaLnBrk="1" latinLnBrk="0" hangingPunct="1">
+              <a:spcBef>
+                <a:spcPct val="20000"/>
+              </a:spcBef>
+              <a:buClr>
+                <a:schemeClr val="accent2"/>
+              </a:buClr>
+              <a:buFont typeface="Arial" pitchFamily="34" charset="0"/>
+              <a:buChar char="•"/>
+              <a:defRPr sz="2000" kern="1200">
+                <a:solidFill>
+                  <a:schemeClr val="tx1"/>
+                </a:solidFill>
+                <a:latin typeface="+mn-lt"/>
+                <a:ea typeface="+mn-ea"/>
+                <a:cs typeface="+mn-cs"/>
+              </a:defRPr>
+            </a:lvl2pPr>
+            <a:lvl3pPr marL="1005840" indent="-228600" algn="l" defTabSz="914400" rtl="0" eaLnBrk="1" latinLnBrk="0" hangingPunct="1">
+              <a:spcBef>
+                <a:spcPct val="20000"/>
+              </a:spcBef>
+              <a:buClr>
+                <a:schemeClr val="accent3"/>
+              </a:buClr>
+              <a:buFont typeface="Arial" pitchFamily="34" charset="0"/>
+              <a:buChar char="•"/>
+              <a:defRPr sz="1800" kern="1200">
+                <a:solidFill>
+                  <a:schemeClr val="tx1"/>
+                </a:solidFill>
+                <a:latin typeface="+mn-lt"/>
+                <a:ea typeface="+mn-ea"/>
+                <a:cs typeface="+mn-cs"/>
+              </a:defRPr>
+            </a:lvl3pPr>
+            <a:lvl4pPr marL="1280160" indent="-228600" algn="l" defTabSz="914400" rtl="0" eaLnBrk="1" latinLnBrk="0" hangingPunct="1">
+              <a:spcBef>
+                <a:spcPct val="20000"/>
+              </a:spcBef>
+              <a:buClr>
+                <a:schemeClr val="accent4"/>
+              </a:buClr>
+              <a:buFont typeface="Arial" pitchFamily="34" charset="0"/>
+              <a:buChar char="•"/>
+              <a:defRPr sz="1600" kern="1200">
+                <a:solidFill>
+                  <a:schemeClr val="tx1"/>
+                </a:solidFill>
+                <a:latin typeface="+mn-lt"/>
+                <a:ea typeface="+mn-ea"/>
+                <a:cs typeface="+mn-cs"/>
+              </a:defRPr>
+            </a:lvl4pPr>
+            <a:lvl5pPr marL="1554480" indent="-228600" algn="l" defTabSz="914400" rtl="0" eaLnBrk="1" latinLnBrk="0" hangingPunct="1">
+              <a:spcBef>
+                <a:spcPct val="20000"/>
+              </a:spcBef>
+              <a:buClr>
+                <a:schemeClr val="accent5"/>
+              </a:buClr>
+              <a:buFont typeface="Arial" pitchFamily="34" charset="0"/>
+              <a:buChar char="•"/>
+              <a:defRPr sz="1400" kern="1200" baseline="0">
+                <a:solidFill>
+                  <a:schemeClr val="tx1"/>
+                </a:solidFill>
+                <a:latin typeface="+mn-lt"/>
+                <a:ea typeface="+mn-ea"/>
+                <a:cs typeface="+mn-cs"/>
+              </a:defRPr>
+            </a:lvl5pPr>
+            <a:lvl6pPr marL="1737360" indent="-182880" algn="l" defTabSz="914400" rtl="0" eaLnBrk="1" latinLnBrk="0" hangingPunct="1">
+              <a:spcBef>
+                <a:spcPct val="20000"/>
+              </a:spcBef>
+              <a:buClr>
+                <a:schemeClr val="accent1"/>
+              </a:buClr>
+              <a:buFont typeface="Arial" pitchFamily="34" charset="0"/>
+              <a:buChar char="•"/>
+              <a:defRPr sz="1400" kern="1200" baseline="0">
+                <a:solidFill>
+                  <a:schemeClr val="tx1"/>
+                </a:solidFill>
+                <a:latin typeface="+mn-lt"/>
+                <a:ea typeface="+mn-ea"/>
+                <a:cs typeface="+mn-cs"/>
+              </a:defRPr>
+            </a:lvl6pPr>
+            <a:lvl7pPr marL="1920240" indent="-182880" algn="l" defTabSz="914400" rtl="0" eaLnBrk="1" latinLnBrk="0" hangingPunct="1">
+              <a:spcBef>
+                <a:spcPct val="20000"/>
+              </a:spcBef>
+              <a:buClr>
+                <a:schemeClr val="accent2"/>
+              </a:buClr>
+              <a:buFont typeface="Arial" pitchFamily="34" charset="0"/>
+              <a:buChar char="•"/>
+              <a:defRPr sz="1400" kern="1200">
+                <a:solidFill>
+                  <a:schemeClr val="tx1"/>
+                </a:solidFill>
+                <a:latin typeface="+mn-lt"/>
+                <a:ea typeface="+mn-ea"/>
+                <a:cs typeface="+mn-cs"/>
+              </a:defRPr>
+            </a:lvl7pPr>
+            <a:lvl8pPr marL="2103120" indent="-182880" algn="l" defTabSz="914400" rtl="0" eaLnBrk="1" latinLnBrk="0" hangingPunct="1">
+              <a:spcBef>
+                <a:spcPct val="20000"/>
+              </a:spcBef>
+              <a:buClr>
+                <a:schemeClr val="accent3"/>
+              </a:buClr>
+              <a:buFont typeface="Arial" pitchFamily="34" charset="0"/>
+              <a:buChar char="•"/>
+              <a:defRPr sz="1400" kern="1200">
+                <a:solidFill>
+                  <a:schemeClr val="tx1"/>
+                </a:solidFill>
+                <a:latin typeface="+mn-lt"/>
+                <a:ea typeface="+mn-ea"/>
+                <a:cs typeface="+mn-cs"/>
+              </a:defRPr>
+            </a:lvl8pPr>
+            <a:lvl9pPr marL="2286000" indent="-182880" algn="l" defTabSz="914400" rtl="0" eaLnBrk="1" latinLnBrk="0" hangingPunct="1">
+              <a:spcBef>
+                <a:spcPct val="20000"/>
+              </a:spcBef>
+              <a:buClr>
+                <a:schemeClr val="accent4"/>
+              </a:buClr>
+              <a:buFont typeface="Arial" pitchFamily="34" charset="0"/>
+              <a:buChar char="•"/>
+              <a:defRPr sz="1400" kern="1200">
+                <a:solidFill>
+                  <a:schemeClr val="tx1"/>
+                </a:solidFill>
+                <a:latin typeface="+mn-lt"/>
+                <a:ea typeface="+mn-ea"/>
+                <a:cs typeface="+mn-cs"/>
+              </a:defRPr>
+            </a:lvl9pPr>
+          </a:lstStyle>
+          <a:p>
+            <a:pPr marL="114300" indent="0">
+              <a:buFont typeface="Arial" pitchFamily="34" charset="0"/>
+              <a:buNone/>
+            </a:pPr>
+            <a:endParaRPr lang="en-US" dirty="0" smtClean="0"/>
+          </a:p>
+          <a:p>
+            <a:r>
+              <a:rPr lang="en-US" dirty="0"/>
+              <a:t>User call count fairly predictive of loan repayment</a:t>
+            </a:r>
+          </a:p>
+          <a:p>
+            <a:pPr marL="114300" indent="0">
+              <a:buNone/>
+            </a:pPr>
+            <a:r>
+              <a:rPr lang="en-US" dirty="0"/>
+              <a:t>    (R = .4915, p &lt; 1e-20)</a:t>
+            </a:r>
+          </a:p>
+          <a:p>
+            <a:r>
+              <a:rPr lang="en-US" dirty="0" smtClean="0"/>
+              <a:t>Average call duration a weaker predictor (R = .1643, p &lt; 1e-3) but still worth looking into</a:t>
+            </a:r>
+          </a:p>
+          <a:p>
+            <a:endParaRPr lang="en-US" dirty="0" smtClean="0"/>
+          </a:p>
+        </p:txBody>
+      </p:sp>
+      <p:graphicFrame>
+        <p:nvGraphicFramePr>
+          <p:cNvPr id="11" name="Table 10"/>
+          <p:cNvGraphicFramePr>
+            <a:graphicFrameLocks noGrp="1"/>
+          </p:cNvGraphicFramePr>
+          <p:nvPr>
+            <p:extLst>
+              <p:ext uri="{D42A27DB-BD31-4B8C-83A1-F6EECF244321}">
+                <p14:modId xmlns:p14="http://schemas.microsoft.com/office/powerpoint/2010/main" val="14275756"/>
+              </p:ext>
+            </p:extLst>
+          </p:nvPr>
+        </p:nvGraphicFramePr>
+        <p:xfrm>
+          <a:off x="5906091" y="5343090"/>
+          <a:ext cx="3237909" cy="1112520"/>
+        </p:xfrm>
+        <a:graphic>
+          <a:graphicData uri="http://schemas.openxmlformats.org/drawingml/2006/table">
+            <a:tbl>
+              <a:tblPr firstRow="1" bandRow="1">
+                <a:tableStyleId>{5C22544A-7EE6-4342-B048-85BDC9FD1C3A}</a:tableStyleId>
+              </a:tblPr>
+              <a:tblGrid>
+                <a:gridCol w="1174415"/>
+                <a:gridCol w="1473925"/>
+                <a:gridCol w="589569"/>
+              </a:tblGrid>
+              <a:tr h="370840">
+                <a:tc>
+                  <a:txBody>
+                    <a:bodyPr/>
+                    <a:lstStyle/>
+                    <a:p>
+                      <a:r>
+                        <a:rPr lang="en-US" dirty="0" smtClean="0"/>
+                        <a:t># calls</a:t>
+                      </a:r>
+                      <a:endParaRPr lang="en-US" dirty="0"/>
+                    </a:p>
+                  </a:txBody>
+                  <a:tcPr/>
+                </a:tc>
+                <a:tc>
+                  <a:txBody>
+                    <a:bodyPr/>
+                    <a:lstStyle/>
+                    <a:p>
+                      <a:r>
+                        <a:rPr lang="en-US" dirty="0" smtClean="0"/>
+                        <a:t>Payback Rate</a:t>
+                      </a:r>
+                      <a:endParaRPr lang="en-US" dirty="0"/>
+                    </a:p>
+                  </a:txBody>
+                  <a:tcPr/>
+                </a:tc>
+                <a:tc>
+                  <a:txBody>
+                    <a:bodyPr/>
+                    <a:lstStyle/>
+                    <a:p>
+                      <a:r>
+                        <a:rPr lang="en-US" dirty="0" smtClean="0"/>
+                        <a:t>n</a:t>
+                      </a:r>
+                      <a:endParaRPr lang="en-US" dirty="0"/>
+                    </a:p>
+                  </a:txBody>
+                  <a:tcPr/>
+                </a:tc>
+              </a:tr>
+              <a:tr h="370840">
+                <a:tc>
+                  <a:txBody>
+                    <a:bodyPr/>
+                    <a:lstStyle/>
+                    <a:p>
+                      <a:r>
+                        <a:rPr lang="en-US" dirty="0" smtClean="0"/>
+                        <a:t>&gt;= 1000</a:t>
+                      </a:r>
+                      <a:endParaRPr lang="en-US" dirty="0"/>
+                    </a:p>
+                  </a:txBody>
+                  <a:tcPr/>
+                </a:tc>
+                <a:tc>
+                  <a:txBody>
+                    <a:bodyPr/>
+                    <a:lstStyle/>
+                    <a:p>
+                      <a:r>
+                        <a:rPr lang="en-US" dirty="0" smtClean="0"/>
+                        <a:t>.7402</a:t>
+                      </a:r>
+                      <a:endParaRPr lang="en-US" dirty="0"/>
+                    </a:p>
+                  </a:txBody>
+                  <a:tcPr/>
+                </a:tc>
+                <a:tc>
+                  <a:txBody>
+                    <a:bodyPr/>
+                    <a:lstStyle/>
+                    <a:p>
+                      <a:r>
+                        <a:rPr lang="en-US" dirty="0" smtClean="0"/>
+                        <a:t>204</a:t>
+                      </a:r>
+                      <a:endParaRPr lang="en-US" dirty="0"/>
+                    </a:p>
+                  </a:txBody>
+                  <a:tcPr/>
+                </a:tc>
+              </a:tr>
+              <a:tr h="370840">
+                <a:tc>
+                  <a:txBody>
+                    <a:bodyPr/>
+                    <a:lstStyle/>
+                    <a:p>
+                      <a:r>
+                        <a:rPr lang="en-US" dirty="0" smtClean="0"/>
+                        <a:t>&lt; 1000</a:t>
+                      </a:r>
+                      <a:endParaRPr lang="en-US" dirty="0"/>
+                    </a:p>
+                  </a:txBody>
+                  <a:tcPr/>
+                </a:tc>
+                <a:tc>
+                  <a:txBody>
+                    <a:bodyPr/>
+                    <a:lstStyle/>
+                    <a:p>
+                      <a:r>
+                        <a:rPr lang="en-US" dirty="0" smtClean="0"/>
+                        <a:t>.25</a:t>
+                      </a:r>
+                      <a:endParaRPr lang="en-US" dirty="0"/>
+                    </a:p>
+                  </a:txBody>
+                  <a:tcPr/>
+                </a:tc>
+                <a:tc>
+                  <a:txBody>
+                    <a:bodyPr/>
+                    <a:lstStyle/>
+                    <a:p>
+                      <a:r>
+                        <a:rPr lang="en-US" dirty="0" smtClean="0"/>
+                        <a:t>196</a:t>
+                      </a:r>
+                      <a:endParaRPr lang="en-US" dirty="0"/>
+                    </a:p>
+                  </a:txBody>
+                  <a:tcPr/>
+                </a:tc>
+              </a:tr>
+            </a:tbl>
+          </a:graphicData>
+        </a:graphic>
+      </p:graphicFrame>
     </p:spTree>
     <p:extLst>
       <p:ext uri="{BB962C8B-B14F-4D97-AF65-F5344CB8AC3E}">
@@ -4067,7 +4550,7 @@
         <p:spPr>
           <a:xfrm>
             <a:off x="317461" y="5301290"/>
-            <a:ext cx="7979205" cy="923330"/>
+            <a:ext cx="7979205" cy="1200329"/>
           </a:xfrm>
           <a:prstGeom prst="rect">
             <a:avLst/>
@@ -4082,8 +4565,13 @@
           <a:p>
             <a:r>
               <a:rPr lang="en-US" dirty="0" smtClean="0"/>
-              <a:t>-Distribution of the hour in which each call falls across the two populations </a:t>
-            </a:r>
+              <a:t>-Distribution of the hour in which a call occurs </a:t>
+            </a:r>
+            <a:r>
+              <a:rPr lang="en-US" smtClean="0"/>
+              <a:t>across both populations </a:t>
+            </a:r>
+            <a:endParaRPr lang="en-US" dirty="0" smtClean="0"/>
           </a:p>
           <a:p>
             <a:r>
@@ -4100,6 +4588,28 @@
             <a:r>
               <a:rPr lang="en-US" dirty="0" smtClean="0"/>
               <a:t> similar</a:t>
+            </a:r>
+          </a:p>
+          <a:p>
+            <a:r>
+              <a:rPr lang="en-US" dirty="0" smtClean="0"/>
+              <a:t>-also observed distribution </a:t>
+            </a:r>
+            <a:r>
+              <a:rPr lang="en-US" dirty="0"/>
+              <a:t>weighted equally by users </a:t>
+            </a:r>
+            <a:r>
+              <a:rPr lang="en-US" dirty="0" smtClean="0"/>
+              <a:t>(‘</a:t>
+            </a:r>
+            <a:r>
+              <a:rPr lang="en-US" dirty="0" err="1" smtClean="0"/>
+              <a:t>hourly_dist_users.png</a:t>
+            </a:r>
+            <a:r>
+              <a:rPr lang="en-US" dirty="0" smtClean="0"/>
+              <a:t>’)</a:t>
             </a:r>
           </a:p>
         </p:txBody>
@@ -4180,11 +4690,11 @@
           <a:lstStyle/>
           <a:p>
             <a:r>
-              <a:rPr lang="en-US" smtClean="0"/>
+              <a:rPr lang="en-US" dirty="0" smtClean="0"/>
               <a:t>SMS </a:t>
             </a:r>
             <a:r>
-              <a:rPr lang="en-US" smtClean="0"/>
+              <a:rPr lang="en-US" dirty="0" smtClean="0"/>
               <a:t>Logs</a:t>
             </a:r>
             <a:endParaRPr lang="en-US" dirty="0"/>

--- a/branch_presentation.pptx
+++ b/branch_presentation.pptx
@@ -5,17 +5,18 @@
     <p:sldMasterId id="2147483810" r:id="rId1"/>
   </p:sldMasterIdLst>
   <p:notesMasterIdLst>
-    <p:notesMasterId r:id="rId10"/>
+    <p:notesMasterId r:id="rId11"/>
   </p:notesMasterIdLst>
   <p:sldIdLst>
     <p:sldId id="256" r:id="rId2"/>
     <p:sldId id="279" r:id="rId3"/>
     <p:sldId id="280" r:id="rId4"/>
     <p:sldId id="273" r:id="rId5"/>
-    <p:sldId id="281" r:id="rId6"/>
-    <p:sldId id="275" r:id="rId7"/>
-    <p:sldId id="276" r:id="rId8"/>
-    <p:sldId id="277" r:id="rId9"/>
+    <p:sldId id="282" r:id="rId6"/>
+    <p:sldId id="281" r:id="rId7"/>
+    <p:sldId id="275" r:id="rId8"/>
+    <p:sldId id="276" r:id="rId9"/>
+    <p:sldId id="277" r:id="rId10"/>
   </p:sldIdLst>
   <p:sldSz cx="9144000" cy="6858000" type="screen4x3"/>
   <p:notesSz cx="6858000" cy="9144000"/>
@@ -3590,8 +3591,16 @@
           </a:p>
           <a:p>
             <a:r>
+              <a:rPr lang="en-US" dirty="0"/>
+              <a:t>2</a:t>
+            </a:r>
+            <a:r>
               <a:rPr lang="en-US" dirty="0" smtClean="0"/>
-              <a:t>11/30/17</a:t>
+              <a:t>/12/</a:t>
+            </a:r>
+            <a:r>
+              <a:rPr lang="en-US" dirty="0" smtClean="0"/>
+              <a:t>17</a:t>
             </a:r>
             <a:endParaRPr lang="en-US" dirty="0"/>
           </a:p>
@@ -3859,7 +3868,7 @@
           <p:nvPr>
             <p:extLst>
               <p:ext uri="{D42A27DB-BD31-4B8C-83A1-F6EECF244321}">
-                <p14:modId xmlns:p14="http://schemas.microsoft.com/office/powerpoint/2010/main" val="3228179359"/>
+                <p14:modId xmlns:p14="http://schemas.microsoft.com/office/powerpoint/2010/main" val="2576375516"/>
               </p:ext>
             </p:extLst>
           </p:nvPr>
@@ -3931,50 +3940,6 @@
                     <a:p>
                       <a:r>
                         <a:rPr lang="en-US" dirty="0" smtClean="0"/>
-                        <a:t>&gt;= 350</a:t>
-                      </a:r>
-                      <a:endParaRPr lang="en-US" dirty="0"/>
-                    </a:p>
-                  </a:txBody>
-                  <a:tcPr/>
-                </a:tc>
-                <a:tc>
-                  <a:txBody>
-                    <a:bodyPr/>
-                    <a:lstStyle/>
-                    <a:p>
-                      <a:r>
-                        <a:rPr lang="en-US" dirty="0" smtClean="0"/>
-                        <a:t>.5685</a:t>
-                      </a:r>
-                      <a:endParaRPr lang="en-US" dirty="0"/>
-                    </a:p>
-                  </a:txBody>
-                  <a:tcPr/>
-                </a:tc>
-                <a:tc>
-                  <a:txBody>
-                    <a:bodyPr/>
-                    <a:lstStyle/>
-                    <a:p>
-                      <a:r>
-                        <a:rPr lang="en-US" dirty="0" smtClean="0"/>
-                        <a:t>197</a:t>
-                      </a:r>
-                      <a:endParaRPr lang="en-US" dirty="0"/>
-                    </a:p>
-                  </a:txBody>
-                  <a:tcPr/>
-                </a:tc>
-              </a:tr>
-              <a:tr h="370840">
-                <a:tc>
-                  <a:txBody>
-                    <a:bodyPr/>
-                    <a:lstStyle/>
-                    <a:p>
-                      <a:r>
-                        <a:rPr lang="en-US" dirty="0" smtClean="0"/>
                         <a:t>&lt; 350</a:t>
                       </a:r>
                       <a:endParaRPr lang="en-US" dirty="0"/>
@@ -4004,6 +3969,54 @@
                       <a:r>
                         <a:rPr lang="en-US" dirty="0" smtClean="0"/>
                         <a:t>203</a:t>
+                      </a:r>
+                      <a:endParaRPr lang="en-US" dirty="0"/>
+                    </a:p>
+                  </a:txBody>
+                  <a:tcPr/>
+                </a:tc>
+              </a:tr>
+              <a:tr h="370840">
+                <a:tc>
+                  <a:txBody>
+                    <a:bodyPr/>
+                    <a:lstStyle/>
+                    <a:p>
+                      <a:r>
+                        <a:rPr lang="en-US" dirty="0" smtClean="0"/>
+                        <a:t>&gt;= 350</a:t>
+                      </a:r>
+                      <a:endParaRPr lang="en-US" dirty="0"/>
+                    </a:p>
+                  </a:txBody>
+                  <a:tcPr/>
+                </a:tc>
+                <a:tc>
+                  <a:txBody>
+                    <a:bodyPr/>
+                    <a:lstStyle/>
+                    <a:p>
+                      <a:r>
+                        <a:rPr lang="en-US" dirty="0" smtClean="0"/>
+                        <a:t>.</a:t>
+                      </a:r>
+                      <a:r>
+                        <a:rPr lang="en-US" dirty="0" smtClean="0"/>
+                        <a:t> 5685</a:t>
+                      </a:r>
+                      <a:endParaRPr lang="en-US" dirty="0"/>
+                    </a:p>
+                  </a:txBody>
+                  <a:tcPr/>
+                </a:tc>
+                <a:tc>
+                  <a:txBody>
+                    <a:bodyPr/>
+                    <a:lstStyle/>
+                    <a:p>
+                      <a:r>
+                        <a:rPr lang="en-US" dirty="0" smtClean="0"/>
+                        <a:t>197</a:t>
                       </a:r>
                       <a:endParaRPr lang="en-US" dirty="0"/>
                     </a:p>
@@ -4315,7 +4328,15 @@
           <a:p>
             <a:r>
               <a:rPr lang="en-US" dirty="0" smtClean="0"/>
-              <a:t>Average call duration a weaker predictor (R = .1643, p &lt; 1e-3) but still worth looking into</a:t>
+              <a:t>Average call duration a weaker predictor (R = .1643, p &lt; 1e-3) but still noteworthy; no correlation between call count</a:t>
+            </a:r>
+            <a:r>
+              <a:rPr lang="en-US" dirty="0"/>
+              <a:t> </a:t>
+            </a:r>
+            <a:r>
+              <a:rPr lang="en-US" dirty="0" smtClean="0"/>
+              <a:t>and duration</a:t>
             </a:r>
           </a:p>
           <a:p>
@@ -4332,7 +4353,7 @@
           <p:nvPr>
             <p:extLst>
               <p:ext uri="{D42A27DB-BD31-4B8C-83A1-F6EECF244321}">
-                <p14:modId xmlns:p14="http://schemas.microsoft.com/office/powerpoint/2010/main" val="14275756"/>
+                <p14:modId xmlns:p14="http://schemas.microsoft.com/office/powerpoint/2010/main" val="2284558174"/>
               </p:ext>
             </p:extLst>
           </p:nvPr>
@@ -4404,50 +4425,6 @@
                     <a:p>
                       <a:r>
                         <a:rPr lang="en-US" dirty="0" smtClean="0"/>
-                        <a:t>&gt;= 1000</a:t>
-                      </a:r>
-                      <a:endParaRPr lang="en-US" dirty="0"/>
-                    </a:p>
-                  </a:txBody>
-                  <a:tcPr/>
-                </a:tc>
-                <a:tc>
-                  <a:txBody>
-                    <a:bodyPr/>
-                    <a:lstStyle/>
-                    <a:p>
-                      <a:r>
-                        <a:rPr lang="en-US" dirty="0" smtClean="0"/>
-                        <a:t>.7402</a:t>
-                      </a:r>
-                      <a:endParaRPr lang="en-US" dirty="0"/>
-                    </a:p>
-                  </a:txBody>
-                  <a:tcPr/>
-                </a:tc>
-                <a:tc>
-                  <a:txBody>
-                    <a:bodyPr/>
-                    <a:lstStyle/>
-                    <a:p>
-                      <a:r>
-                        <a:rPr lang="en-US" dirty="0" smtClean="0"/>
-                        <a:t>204</a:t>
-                      </a:r>
-                      <a:endParaRPr lang="en-US" dirty="0"/>
-                    </a:p>
-                  </a:txBody>
-                  <a:tcPr/>
-                </a:tc>
-              </a:tr>
-              <a:tr h="370840">
-                <a:tc>
-                  <a:txBody>
-                    <a:bodyPr/>
-                    <a:lstStyle/>
-                    <a:p>
-                      <a:r>
-                        <a:rPr lang="en-US" dirty="0" smtClean="0"/>
                         <a:t>&lt; 1000</a:t>
                       </a:r>
                       <a:endParaRPr lang="en-US" dirty="0"/>
@@ -4484,6 +4461,54 @@
                   <a:tcPr/>
                 </a:tc>
               </a:tr>
+              <a:tr h="370840">
+                <a:tc>
+                  <a:txBody>
+                    <a:bodyPr/>
+                    <a:lstStyle/>
+                    <a:p>
+                      <a:r>
+                        <a:rPr lang="en-US" dirty="0" smtClean="0"/>
+                        <a:t>&gt;= 1000</a:t>
+                      </a:r>
+                      <a:endParaRPr lang="en-US" dirty="0"/>
+                    </a:p>
+                  </a:txBody>
+                  <a:tcPr/>
+                </a:tc>
+                <a:tc>
+                  <a:txBody>
+                    <a:bodyPr/>
+                    <a:lstStyle/>
+                    <a:p>
+                      <a:r>
+                        <a:rPr lang="en-US" dirty="0" smtClean="0"/>
+                        <a:t>.</a:t>
+                      </a:r>
+                      <a:r>
+                        <a:rPr lang="en-US" dirty="0" smtClean="0"/>
+                        <a:t> 7402</a:t>
+                      </a:r>
+                      <a:endParaRPr lang="en-US" dirty="0"/>
+                    </a:p>
+                  </a:txBody>
+                  <a:tcPr/>
+                </a:tc>
+                <a:tc>
+                  <a:txBody>
+                    <a:bodyPr/>
+                    <a:lstStyle/>
+                    <a:p>
+                      <a:r>
+                        <a:rPr lang="en-US" dirty="0" smtClean="0"/>
+                        <a:t>204</a:t>
+                      </a:r>
+                      <a:endParaRPr lang="en-US" dirty="0"/>
+                    </a:p>
+                  </a:txBody>
+                  <a:tcPr/>
+                </a:tc>
+              </a:tr>
             </a:tbl>
           </a:graphicData>
         </a:graphic>
@@ -4498,6 +4523,13 @@
   <p:clrMapOvr>
     <a:masterClrMapping/>
   </p:clrMapOvr>
+  <p:timing>
+    <p:tnLst>
+      <p:par>
+        <p:cTn xmlns:p14="http://schemas.microsoft.com/office/powerpoint/2010/main" id="1" dur="indefinite" restart="never" nodeType="tmRoot"/>
+      </p:par>
+    </p:tnLst>
+  </p:timing>
 </p:sld>
 </file>
 
@@ -4535,6 +4567,262 @@
           <a:p>
             <a:r>
               <a:rPr lang="en-US" dirty="0" smtClean="0"/>
+              <a:t>International Call Count</a:t>
+            </a:r>
+            <a:endParaRPr lang="en-US" dirty="0"/>
+          </a:p>
+        </p:txBody>
+      </p:sp>
+      <p:sp>
+        <p:nvSpPr>
+          <p:cNvPr id="3" name="Content Placeholder 2"/>
+          <p:cNvSpPr>
+            <a:spLocks noGrp="1"/>
+          </p:cNvSpPr>
+          <p:nvPr>
+            <p:ph idx="1"/>
+          </p:nvPr>
+        </p:nvSpPr>
+        <p:spPr>
+          <a:xfrm>
+            <a:off x="457200" y="1600201"/>
+            <a:ext cx="7620000" cy="1554728"/>
+          </a:xfrm>
+        </p:spPr>
+        <p:txBody>
+          <a:bodyPr/>
+          <a:lstStyle/>
+          <a:p>
+            <a:r>
+              <a:rPr lang="en-US" dirty="0" smtClean="0"/>
+              <a:t>Number of international calls (listed as country other than “Kenya”) in a user’s history</a:t>
+            </a:r>
+          </a:p>
+          <a:p>
+            <a:r>
+              <a:rPr lang="en-US" dirty="0" smtClean="0"/>
+              <a:t>Another predictor to consider (R=.1526, p=.002)</a:t>
+            </a:r>
+            <a:endParaRPr lang="en-US" dirty="0"/>
+          </a:p>
+        </p:txBody>
+      </p:sp>
+      <p:graphicFrame>
+        <p:nvGraphicFramePr>
+          <p:cNvPr id="4" name="Table 3"/>
+          <p:cNvGraphicFramePr>
+            <a:graphicFrameLocks noGrp="1"/>
+          </p:cNvGraphicFramePr>
+          <p:nvPr>
+            <p:extLst>
+              <p:ext uri="{D42A27DB-BD31-4B8C-83A1-F6EECF244321}">
+                <p14:modId xmlns:p14="http://schemas.microsoft.com/office/powerpoint/2010/main" val="2827177710"/>
+              </p:ext>
+            </p:extLst>
+          </p:nvPr>
+        </p:nvGraphicFramePr>
+        <p:xfrm>
+          <a:off x="1758297" y="3676336"/>
+          <a:ext cx="3237909" cy="1112520"/>
+        </p:xfrm>
+        <a:graphic>
+          <a:graphicData uri="http://schemas.openxmlformats.org/drawingml/2006/table">
+            <a:tbl>
+              <a:tblPr firstRow="1" bandRow="1">
+                <a:tableStyleId>{5C22544A-7EE6-4342-B048-85BDC9FD1C3A}</a:tableStyleId>
+              </a:tblPr>
+              <a:tblGrid>
+                <a:gridCol w="1174415"/>
+                <a:gridCol w="1473925"/>
+                <a:gridCol w="589569"/>
+              </a:tblGrid>
+              <a:tr h="370840">
+                <a:tc>
+                  <a:txBody>
+                    <a:bodyPr/>
+                    <a:lstStyle/>
+                    <a:p>
+                      <a:r>
+                        <a:rPr lang="en-US" dirty="0" smtClean="0"/>
+                        <a:t># calls</a:t>
+                      </a:r>
+                      <a:endParaRPr lang="en-US" dirty="0"/>
+                    </a:p>
+                  </a:txBody>
+                  <a:tcPr/>
+                </a:tc>
+                <a:tc>
+                  <a:txBody>
+                    <a:bodyPr/>
+                    <a:lstStyle/>
+                    <a:p>
+                      <a:r>
+                        <a:rPr lang="en-US" dirty="0" smtClean="0"/>
+                        <a:t>Payback Rate</a:t>
+                      </a:r>
+                      <a:endParaRPr lang="en-US" dirty="0"/>
+                    </a:p>
+                  </a:txBody>
+                  <a:tcPr/>
+                </a:tc>
+                <a:tc>
+                  <a:txBody>
+                    <a:bodyPr/>
+                    <a:lstStyle/>
+                    <a:p>
+                      <a:r>
+                        <a:rPr lang="en-US" dirty="0" smtClean="0"/>
+                        <a:t>n</a:t>
+                      </a:r>
+                      <a:endParaRPr lang="en-US" dirty="0"/>
+                    </a:p>
+                  </a:txBody>
+                  <a:tcPr/>
+                </a:tc>
+              </a:tr>
+              <a:tr h="370840">
+                <a:tc>
+                  <a:txBody>
+                    <a:bodyPr/>
+                    <a:lstStyle/>
+                    <a:p>
+                      <a:r>
+                        <a:rPr lang="en-US" dirty="0" smtClean="0"/>
+                        <a:t>0</a:t>
+                      </a:r>
+                      <a:endParaRPr lang="en-US" dirty="0"/>
+                    </a:p>
+                  </a:txBody>
+                  <a:tcPr/>
+                </a:tc>
+                <a:tc>
+                  <a:txBody>
+                    <a:bodyPr/>
+                    <a:lstStyle/>
+                    <a:p>
+                      <a:r>
+                        <a:rPr lang="en-US" dirty="0" smtClean="0"/>
+                        <a:t>.4406</a:t>
+                      </a:r>
+                      <a:endParaRPr lang="en-US" dirty="0"/>
+                    </a:p>
+                  </a:txBody>
+                  <a:tcPr/>
+                </a:tc>
+                <a:tc>
+                  <a:txBody>
+                    <a:bodyPr/>
+                    <a:lstStyle/>
+                    <a:p>
+                      <a:r>
+                        <a:rPr lang="en-US" dirty="0" smtClean="0"/>
+                        <a:t>286</a:t>
+                      </a:r>
+                      <a:endParaRPr lang="en-US" dirty="0"/>
+                    </a:p>
+                  </a:txBody>
+                  <a:tcPr/>
+                </a:tc>
+              </a:tr>
+              <a:tr h="370840">
+                <a:tc>
+                  <a:txBody>
+                    <a:bodyPr/>
+                    <a:lstStyle/>
+                    <a:p>
+                      <a:r>
+                        <a:rPr lang="en-US" dirty="0" smtClean="0"/>
+                        <a:t>&gt;=</a:t>
+                      </a:r>
+                      <a:r>
+                        <a:rPr lang="en-US" baseline="0" dirty="0" smtClean="0"/>
+                        <a:t> 1</a:t>
+                      </a:r>
+                      <a:endParaRPr lang="en-US" dirty="0"/>
+                    </a:p>
+                  </a:txBody>
+                  <a:tcPr/>
+                </a:tc>
+                <a:tc>
+                  <a:txBody>
+                    <a:bodyPr/>
+                    <a:lstStyle/>
+                    <a:p>
+                      <a:r>
+                        <a:rPr lang="en-US" dirty="0" smtClean="0"/>
+                        <a:t>.6491</a:t>
+                      </a:r>
+                      <a:endParaRPr lang="en-US" dirty="0"/>
+                    </a:p>
+                  </a:txBody>
+                  <a:tcPr/>
+                </a:tc>
+                <a:tc>
+                  <a:txBody>
+                    <a:bodyPr/>
+                    <a:lstStyle/>
+                    <a:p>
+                      <a:r>
+                        <a:rPr lang="en-US" dirty="0" smtClean="0"/>
+                        <a:t>114</a:t>
+                      </a:r>
+                      <a:endParaRPr lang="en-US" dirty="0"/>
+                    </a:p>
+                  </a:txBody>
+                  <a:tcPr/>
+                </a:tc>
+              </a:tr>
+            </a:tbl>
+          </a:graphicData>
+        </a:graphic>
+      </p:graphicFrame>
+    </p:spTree>
+    <p:extLst>
+      <p:ext uri="{BB962C8B-B14F-4D97-AF65-F5344CB8AC3E}">
+        <p14:creationId xmlns:p14="http://schemas.microsoft.com/office/powerpoint/2010/main" val="34293116"/>
+      </p:ext>
+    </p:extLst>
+  </p:cSld>
+  <p:clrMapOvr>
+    <a:masterClrMapping/>
+  </p:clrMapOvr>
+</p:sld>
+</file>
+
+<file path=ppt/slides/slide6.xml><?xml version="1.0" encoding="utf-8"?>
+<p:sld xmlns:a="http://schemas.openxmlformats.org/drawingml/2006/main" xmlns:r="http://schemas.openxmlformats.org/officeDocument/2006/relationships" xmlns:p="http://schemas.openxmlformats.org/presentationml/2006/main">
+  <p:cSld>
+    <p:spTree>
+      <p:nvGrpSpPr>
+        <p:cNvPr id="1" name=""/>
+        <p:cNvGrpSpPr/>
+        <p:nvPr/>
+      </p:nvGrpSpPr>
+      <p:grpSpPr>
+        <a:xfrm>
+          <a:off x="0" y="0"/>
+          <a:ext cx="0" cy="0"/>
+          <a:chOff x="0" y="0"/>
+          <a:chExt cx="0" cy="0"/>
+        </a:xfrm>
+      </p:grpSpPr>
+      <p:sp>
+        <p:nvSpPr>
+          <p:cNvPr id="2" name="Title 1"/>
+          <p:cNvSpPr>
+            <a:spLocks noGrp="1"/>
+          </p:cNvSpPr>
+          <p:nvPr>
+            <p:ph type="title"/>
+          </p:nvPr>
+        </p:nvSpPr>
+        <p:spPr/>
+        <p:txBody>
+          <a:bodyPr/>
+          <a:lstStyle/>
+          <a:p>
+            <a:r>
+              <a:rPr lang="en-US" dirty="0" smtClean="0"/>
               <a:t>Distribution of Call times</a:t>
             </a:r>
             <a:endParaRPr lang="en-US" dirty="0"/>
@@ -4565,13 +4853,8 @@
           <a:p>
             <a:r>
               <a:rPr lang="en-US" dirty="0" smtClean="0"/>
-              <a:t>-Distribution of the hour in which a call occurs </a:t>
-            </a:r>
-            <a:r>
-              <a:rPr lang="en-US" smtClean="0"/>
-              <a:t>across both populations </a:t>
-            </a:r>
-            <a:endParaRPr lang="en-US" dirty="0" smtClean="0"/>
+              <a:t>-Distribution of the hour in which a call occurs across both populations </a:t>
+            </a:r>
           </a:p>
           <a:p>
             <a:r>
@@ -4654,82 +4937,13 @@
   <p:clrMapOvr>
     <a:masterClrMapping/>
   </p:clrMapOvr>
-</p:sld>
-</file>
-
-<file path=ppt/slides/slide6.xml><?xml version="1.0" encoding="utf-8"?>
-<p:sld xmlns:a="http://schemas.openxmlformats.org/drawingml/2006/main" xmlns:r="http://schemas.openxmlformats.org/officeDocument/2006/relationships" xmlns:p="http://schemas.openxmlformats.org/presentationml/2006/main">
-  <p:cSld>
-    <p:spTree>
-      <p:nvGrpSpPr>
-        <p:cNvPr id="1" name=""/>
-        <p:cNvGrpSpPr/>
-        <p:nvPr/>
-      </p:nvGrpSpPr>
-      <p:grpSpPr>
-        <a:xfrm>
-          <a:off x="0" y="0"/>
-          <a:ext cx="0" cy="0"/>
-          <a:chOff x="0" y="0"/>
-          <a:chExt cx="0" cy="0"/>
-        </a:xfrm>
-      </p:grpSpPr>
-      <p:sp>
-        <p:nvSpPr>
-          <p:cNvPr id="2" name="Title 1"/>
-          <p:cNvSpPr>
-            <a:spLocks noGrp="1"/>
-          </p:cNvSpPr>
-          <p:nvPr>
-            <p:ph type="title"/>
-          </p:nvPr>
-        </p:nvSpPr>
-        <p:spPr/>
-        <p:txBody>
-          <a:bodyPr/>
-          <a:lstStyle/>
-          <a:p>
-            <a:r>
-              <a:rPr lang="en-US" dirty="0" smtClean="0"/>
-              <a:t>SMS </a:t>
-            </a:r>
-            <a:r>
-              <a:rPr lang="en-US" dirty="0" smtClean="0"/>
-              <a:t>Logs</a:t>
-            </a:r>
-            <a:endParaRPr lang="en-US" dirty="0"/>
-          </a:p>
-        </p:txBody>
-      </p:sp>
-      <p:sp>
-        <p:nvSpPr>
-          <p:cNvPr id="3" name="Content Placeholder 2"/>
-          <p:cNvSpPr>
-            <a:spLocks noGrp="1"/>
-          </p:cNvSpPr>
-          <p:nvPr>
-            <p:ph idx="1"/>
-          </p:nvPr>
-        </p:nvSpPr>
-        <p:spPr/>
-        <p:txBody>
-          <a:bodyPr/>
-          <a:lstStyle/>
-          <a:p>
-            <a:endParaRPr lang="en-US"/>
-          </a:p>
-        </p:txBody>
-      </p:sp>
-    </p:spTree>
-    <p:extLst>
-      <p:ext uri="{BB962C8B-B14F-4D97-AF65-F5344CB8AC3E}">
-        <p14:creationId xmlns:p14="http://schemas.microsoft.com/office/powerpoint/2010/main" val="176627181"/>
-      </p:ext>
-    </p:extLst>
-  </p:cSld>
-  <p:clrMapOvr>
-    <a:masterClrMapping/>
-  </p:clrMapOvr>
+  <p:timing>
+    <p:tnLst>
+      <p:par>
+        <p:cTn xmlns:p14="http://schemas.microsoft.com/office/powerpoint/2010/main" id="1" dur="indefinite" restart="never" nodeType="tmRoot"/>
+      </p:par>
+    </p:tnLst>
+  </p:timing>
 </p:sld>
 </file>
 
@@ -4765,7 +4979,15 @@
           <a:bodyPr/>
           <a:lstStyle/>
           <a:p>
-            <a:endParaRPr lang="en-US"/>
+            <a:r>
+              <a:rPr lang="en-US" dirty="0" smtClean="0"/>
+              <a:t>SMS </a:t>
+            </a:r>
+            <a:r>
+              <a:rPr lang="en-US" dirty="0" smtClean="0"/>
+              <a:t>Logs</a:t>
+            </a:r>
+            <a:endParaRPr lang="en-US" dirty="0"/>
           </a:p>
         </p:txBody>
       </p:sp>
@@ -4784,20 +5006,251 @@
           <a:bodyPr/>
           <a:lstStyle/>
           <a:p>
-            <a:endParaRPr lang="en-US"/>
-          </a:p>
-        </p:txBody>
-      </p:sp>
+            <a:r>
+              <a:rPr lang="en-US" dirty="0" smtClean="0"/>
+              <a:t>Only observing </a:t>
+            </a:r>
+            <a:r>
+              <a:rPr lang="en-US" dirty="0" err="1" smtClean="0"/>
+              <a:t>sms</a:t>
+            </a:r>
+            <a:r>
+              <a:rPr lang="en-US" dirty="0" smtClean="0"/>
+              <a:t> from ‘MPESA’ and ‘</a:t>
+            </a:r>
+            <a:r>
+              <a:rPr lang="en-US" dirty="0" err="1" smtClean="0"/>
+              <a:t>Safaricom</a:t>
+            </a:r>
+            <a:r>
+              <a:rPr lang="en-US" dirty="0" smtClean="0"/>
+              <a:t>’; these account for &gt;75% of text messages from named addresses</a:t>
+            </a:r>
+          </a:p>
+          <a:p>
+            <a:r>
+              <a:rPr lang="en-US" dirty="0" smtClean="0"/>
+              <a:t>Ignore personal </a:t>
+            </a:r>
+            <a:r>
+              <a:rPr lang="en-US" dirty="0" err="1" smtClean="0"/>
+              <a:t>sms</a:t>
+            </a:r>
+            <a:r>
+              <a:rPr lang="en-US" dirty="0" smtClean="0"/>
+              <a:t> messages</a:t>
+            </a:r>
+            <a:endParaRPr lang="en-US" dirty="0" smtClean="0"/>
+          </a:p>
+          <a:p>
+            <a:r>
+              <a:rPr lang="en-US" dirty="0" smtClean="0"/>
+              <a:t>Counts (R=.3318, p &lt; 1e-10) and average length (R=.2392, p &lt; 1.5e-6) of these messages provide more insightful predictors</a:t>
+            </a:r>
+          </a:p>
+          <a:p>
+            <a:r>
+              <a:rPr lang="en-US" dirty="0" smtClean="0"/>
+              <a:t>We can dig further for ‘failure’ and ‘transaction’ messages</a:t>
+            </a:r>
+            <a:endParaRPr lang="en-US" dirty="0"/>
+          </a:p>
+        </p:txBody>
+      </p:sp>
+      <p:graphicFrame>
+        <p:nvGraphicFramePr>
+          <p:cNvPr id="5" name="Table 4"/>
+          <p:cNvGraphicFramePr>
+            <a:graphicFrameLocks noGrp="1"/>
+          </p:cNvGraphicFramePr>
+          <p:nvPr>
+            <p:extLst>
+              <p:ext uri="{D42A27DB-BD31-4B8C-83A1-F6EECF244321}">
+                <p14:modId xmlns:p14="http://schemas.microsoft.com/office/powerpoint/2010/main" val="664114207"/>
+              </p:ext>
+            </p:extLst>
+          </p:nvPr>
+        </p:nvGraphicFramePr>
+        <p:xfrm>
+          <a:off x="1738452" y="4392009"/>
+          <a:ext cx="4056552" cy="1112520"/>
+        </p:xfrm>
+        <a:graphic>
+          <a:graphicData uri="http://schemas.openxmlformats.org/drawingml/2006/table">
+            <a:tbl>
+              <a:tblPr firstRow="1" bandRow="1">
+                <a:tableStyleId>{5C22544A-7EE6-4342-B048-85BDC9FD1C3A}</a:tableStyleId>
+              </a:tblPr>
+              <a:tblGrid>
+                <a:gridCol w="1456739"/>
+                <a:gridCol w="1488442"/>
+                <a:gridCol w="1111371"/>
+              </a:tblGrid>
+              <a:tr h="370840">
+                <a:tc>
+                  <a:txBody>
+                    <a:bodyPr/>
+                    <a:lstStyle/>
+                    <a:p>
+                      <a:r>
+                        <a:rPr lang="en-US" dirty="0" smtClean="0"/>
+                        <a:t># Bank </a:t>
+                      </a:r>
+                      <a:r>
+                        <a:rPr lang="en-US" dirty="0" err="1" smtClean="0"/>
+                        <a:t>sms</a:t>
+                      </a:r>
+                      <a:endParaRPr lang="en-US" dirty="0"/>
+                    </a:p>
+                  </a:txBody>
+                  <a:tcPr/>
+                </a:tc>
+                <a:tc>
+                  <a:txBody>
+                    <a:bodyPr/>
+                    <a:lstStyle/>
+                    <a:p>
+                      <a:r>
+                        <a:rPr lang="en-US" dirty="0" smtClean="0"/>
+                        <a:t>Payback Rate</a:t>
+                      </a:r>
+                      <a:endParaRPr lang="en-US" dirty="0"/>
+                    </a:p>
+                  </a:txBody>
+                  <a:tcPr/>
+                </a:tc>
+                <a:tc>
+                  <a:txBody>
+                    <a:bodyPr/>
+                    <a:lstStyle/>
+                    <a:p>
+                      <a:r>
+                        <a:rPr lang="en-US" dirty="0" smtClean="0"/>
+                        <a:t>n</a:t>
+                      </a:r>
+                      <a:endParaRPr lang="en-US" dirty="0"/>
+                    </a:p>
+                  </a:txBody>
+                  <a:tcPr/>
+                </a:tc>
+              </a:tr>
+              <a:tr h="370840">
+                <a:tc>
+                  <a:txBody>
+                    <a:bodyPr/>
+                    <a:lstStyle/>
+                    <a:p>
+                      <a:r>
+                        <a:rPr lang="en-US" dirty="0" smtClean="0"/>
+                        <a:t>&lt;</a:t>
+                      </a:r>
+                      <a:r>
+                        <a:rPr lang="en-US" baseline="0" dirty="0" smtClean="0"/>
+                        <a:t> 200</a:t>
+                      </a:r>
+                      <a:endParaRPr lang="en-US" dirty="0"/>
+                    </a:p>
+                  </a:txBody>
+                  <a:tcPr/>
+                </a:tc>
+                <a:tc>
+                  <a:txBody>
+                    <a:bodyPr/>
+                    <a:lstStyle/>
+                    <a:p>
+                      <a:r>
+                        <a:rPr lang="en-US" dirty="0" smtClean="0"/>
+                        <a:t>.3</a:t>
+                      </a:r>
+                      <a:endParaRPr lang="en-US" dirty="0"/>
+                    </a:p>
+                  </a:txBody>
+                  <a:tcPr/>
+                </a:tc>
+                <a:tc>
+                  <a:txBody>
+                    <a:bodyPr/>
+                    <a:lstStyle/>
+                    <a:p>
+                      <a:r>
+                        <a:rPr lang="en-US" dirty="0" smtClean="0"/>
+                        <a:t>200</a:t>
+                      </a:r>
+                      <a:endParaRPr lang="en-US" dirty="0"/>
+                    </a:p>
+                  </a:txBody>
+                  <a:tcPr/>
+                </a:tc>
+              </a:tr>
+              <a:tr h="370840">
+                <a:tc>
+                  <a:txBody>
+                    <a:bodyPr/>
+                    <a:lstStyle/>
+                    <a:p>
+                      <a:r>
+                        <a:rPr lang="en-US" dirty="0" smtClean="0"/>
+                        <a:t>&gt;=</a:t>
+                      </a:r>
+                      <a:r>
+                        <a:rPr lang="en-US" baseline="0" dirty="0" smtClean="0"/>
+                        <a:t> 200</a:t>
+                      </a:r>
+                      <a:endParaRPr lang="en-US" dirty="0"/>
+                    </a:p>
+                  </a:txBody>
+                  <a:tcPr/>
+                </a:tc>
+                <a:tc>
+                  <a:txBody>
+                    <a:bodyPr/>
+                    <a:lstStyle/>
+                    <a:p>
+                      <a:r>
+                        <a:rPr lang="en-US" dirty="0" smtClean="0"/>
+                        <a:t>.7107</a:t>
+                      </a:r>
+                      <a:endParaRPr lang="en-US" dirty="0"/>
+                    </a:p>
+                  </a:txBody>
+                  <a:tcPr/>
+                </a:tc>
+                <a:tc>
+                  <a:txBody>
+                    <a:bodyPr/>
+                    <a:lstStyle/>
+                    <a:p>
+                      <a:r>
+                        <a:rPr lang="en-US" dirty="0" smtClean="0"/>
+                        <a:t>197</a:t>
+                      </a:r>
+                      <a:endParaRPr lang="en-US" dirty="0"/>
+                    </a:p>
+                  </a:txBody>
+                  <a:tcPr/>
+                </a:tc>
+              </a:tr>
+            </a:tbl>
+          </a:graphicData>
+        </a:graphic>
+      </p:graphicFrame>
     </p:spTree>
     <p:extLst>
       <p:ext uri="{BB962C8B-B14F-4D97-AF65-F5344CB8AC3E}">
-        <p14:creationId xmlns:p14="http://schemas.microsoft.com/office/powerpoint/2010/main" val="680408609"/>
+        <p14:creationId xmlns:p14="http://schemas.microsoft.com/office/powerpoint/2010/main" val="176627181"/>
       </p:ext>
     </p:extLst>
   </p:cSld>
   <p:clrMapOvr>
     <a:masterClrMapping/>
   </p:clrMapOvr>
+  <p:timing>
+    <p:tnLst>
+      <p:par>
+        <p:cTn xmlns:p14="http://schemas.microsoft.com/office/powerpoint/2010/main" id="1" dur="indefinite" restart="never" nodeType="tmRoot"/>
+      </p:par>
+    </p:tnLst>
+  </p:timing>
 </p:sld>
 </file>
 
@@ -4835,6 +5288,185 @@
           <a:p>
             <a:r>
               <a:rPr lang="en-US" dirty="0" smtClean="0"/>
+              <a:t>SMS Types</a:t>
+            </a:r>
+            <a:endParaRPr lang="en-US" dirty="0"/>
+          </a:p>
+        </p:txBody>
+      </p:sp>
+      <p:sp>
+        <p:nvSpPr>
+          <p:cNvPr id="3" name="Content Placeholder 2"/>
+          <p:cNvSpPr>
+            <a:spLocks noGrp="1"/>
+          </p:cNvSpPr>
+          <p:nvPr>
+            <p:ph idx="1"/>
+          </p:nvPr>
+        </p:nvSpPr>
+        <p:spPr>
+          <a:xfrm>
+            <a:off x="457200" y="1600200"/>
+            <a:ext cx="7620000" cy="4658337"/>
+          </a:xfrm>
+        </p:spPr>
+        <p:txBody>
+          <a:bodyPr>
+            <a:normAutofit/>
+          </a:bodyPr>
+          <a:lstStyle/>
+          <a:p>
+            <a:r>
+              <a:rPr lang="en-US" dirty="0" smtClean="0"/>
+              <a:t>Two types: “confirmed” (n=71370), “failed” (n=2888)</a:t>
+            </a:r>
+          </a:p>
+          <a:p>
+            <a:r>
+              <a:rPr lang="en-US" dirty="0" smtClean="0"/>
+              <a:t>“Confirmed” transaction messages </a:t>
+            </a:r>
+            <a:r>
+              <a:rPr lang="en-US" dirty="0" err="1" smtClean="0"/>
+              <a:t>covary</a:t>
+            </a:r>
+            <a:r>
+              <a:rPr lang="en-US" dirty="0" smtClean="0"/>
+              <a:t> most with repayment (more transactions </a:t>
+            </a:r>
+            <a:r>
+              <a:rPr lang="en-US" dirty="0" smtClean="0">
+                <a:sym typeface="Wingdings"/>
+              </a:rPr>
+              <a:t> more credibility)</a:t>
+            </a:r>
+          </a:p>
+          <a:p>
+            <a:r>
+              <a:rPr lang="en-US" dirty="0" smtClean="0">
+                <a:sym typeface="Wingdings"/>
+              </a:rPr>
+              <a:t>“failed” count also strongly </a:t>
+            </a:r>
+            <a:r>
+              <a:rPr lang="en-US" dirty="0" err="1" smtClean="0">
+                <a:sym typeface="Wingdings"/>
+              </a:rPr>
+              <a:t>covaries</a:t>
+            </a:r>
+            <a:r>
+              <a:rPr lang="en-US" dirty="0" smtClean="0">
+                <a:sym typeface="Wingdings"/>
+              </a:rPr>
+              <a:t> with status because implies more transaction messages and higher credibility</a:t>
+            </a:r>
+          </a:p>
+          <a:p>
+            <a:r>
+              <a:rPr lang="en-US" dirty="0" smtClean="0">
+                <a:sym typeface="Wingdings"/>
+              </a:rPr>
+              <a:t>Since both types of messages </a:t>
+            </a:r>
+            <a:r>
+              <a:rPr lang="en-US" dirty="0" err="1" smtClean="0">
+                <a:sym typeface="Wingdings"/>
+              </a:rPr>
+              <a:t>covary</a:t>
+            </a:r>
+            <a:r>
+              <a:rPr lang="en-US" dirty="0" smtClean="0">
+                <a:sym typeface="Wingdings"/>
+              </a:rPr>
+              <a:t> strongly (R=.7601, p&lt;1e-75), recommend tracking counts as single feature</a:t>
+            </a:r>
+          </a:p>
+          <a:p>
+            <a:r>
+              <a:rPr lang="en-US" dirty="0" smtClean="0">
+                <a:sym typeface="Wingdings"/>
+              </a:rPr>
+              <a:t>Can search quantitatively for more types via K-means clustering</a:t>
+            </a:r>
+          </a:p>
+          <a:p>
+            <a:r>
+              <a:rPr lang="en-US" dirty="0" smtClean="0">
+                <a:sym typeface="Wingdings"/>
+              </a:rPr>
+              <a:t>“Confirmed” Count: R = .3536, p &lt; 1e-12</a:t>
+            </a:r>
+          </a:p>
+          <a:p>
+            <a:r>
+              <a:rPr lang="en-US" dirty="0" smtClean="0">
+                <a:sym typeface="Wingdings"/>
+              </a:rPr>
+              <a:t>“Failed” Count: R = .2728</a:t>
+            </a:r>
+            <a:r>
+              <a:rPr lang="en-US" smtClean="0">
+                <a:sym typeface="Wingdings"/>
+              </a:rPr>
+              <a:t>, p &lt; 1e</a:t>
+            </a:r>
+            <a:r>
+              <a:rPr lang="en-US" dirty="0" smtClean="0">
+                <a:sym typeface="Wingdings"/>
+              </a:rPr>
+              <a:t>-7</a:t>
+            </a:r>
+            <a:endParaRPr lang="en-US" dirty="0"/>
+          </a:p>
+        </p:txBody>
+      </p:sp>
+    </p:spTree>
+    <p:extLst>
+      <p:ext uri="{BB962C8B-B14F-4D97-AF65-F5344CB8AC3E}">
+        <p14:creationId xmlns:p14="http://schemas.microsoft.com/office/powerpoint/2010/main" val="680408609"/>
+      </p:ext>
+    </p:extLst>
+  </p:cSld>
+  <p:clrMapOvr>
+    <a:masterClrMapping/>
+  </p:clrMapOvr>
+</p:sld>
+</file>
+
+<file path=ppt/slides/slide9.xml><?xml version="1.0" encoding="utf-8"?>
+<p:sld xmlns:a="http://schemas.openxmlformats.org/drawingml/2006/main" xmlns:r="http://schemas.openxmlformats.org/officeDocument/2006/relationships" xmlns:p="http://schemas.openxmlformats.org/presentationml/2006/main">
+  <p:cSld>
+    <p:spTree>
+      <p:nvGrpSpPr>
+        <p:cNvPr id="1" name=""/>
+        <p:cNvGrpSpPr/>
+        <p:nvPr/>
+      </p:nvGrpSpPr>
+      <p:grpSpPr>
+        <a:xfrm>
+          <a:off x="0" y="0"/>
+          <a:ext cx="0" cy="0"/>
+          <a:chOff x="0" y="0"/>
+          <a:chExt cx="0" cy="0"/>
+        </a:xfrm>
+      </p:grpSpPr>
+      <p:sp>
+        <p:nvSpPr>
+          <p:cNvPr id="2" name="Title 1"/>
+          <p:cNvSpPr>
+            <a:spLocks noGrp="1"/>
+          </p:cNvSpPr>
+          <p:nvPr>
+            <p:ph type="title"/>
+          </p:nvPr>
+        </p:nvSpPr>
+        <p:spPr/>
+        <p:txBody>
+          <a:bodyPr/>
+          <a:lstStyle/>
+          <a:p>
+            <a:r>
+              <a:rPr lang="en-US" dirty="0" smtClean="0"/>
               <a:t>Conclusion</a:t>
             </a:r>
             <a:endParaRPr lang="en-US" dirty="0"/>
@@ -4851,33 +5483,35 @@
             <p:ph idx="1"/>
           </p:nvPr>
         </p:nvSpPr>
-        <p:spPr/>
+        <p:spPr>
+          <a:xfrm>
+            <a:off x="457200" y="1600200"/>
+            <a:ext cx="7620000" cy="3419906"/>
+          </a:xfrm>
+        </p:spPr>
         <p:txBody>
           <a:bodyPr/>
           <a:lstStyle/>
           <a:p>
             <a:r>
               <a:rPr lang="en-US" dirty="0" smtClean="0"/>
-              <a:t>Number of Devices</a:t>
+              <a:t>We can assemble all the features examined and feed them into a model (random forest, logistic regression, etc.) </a:t>
             </a:r>
           </a:p>
           <a:p>
             <a:r>
               <a:rPr lang="en-US" dirty="0" smtClean="0"/>
-              <a:t>Number of Contacts</a:t>
-            </a:r>
-          </a:p>
-          <a:p>
-            <a:r>
-              <a:rPr lang="en-US" dirty="0"/>
-              <a:t>Number of Calls</a:t>
+              <a:t>Perform PCA or get rid of highly collinear features</a:t>
             </a:r>
           </a:p>
           <a:p>
             <a:r>
               <a:rPr lang="en-US" dirty="0" smtClean="0"/>
-              <a:t>Time at which calls took place</a:t>
-            </a:r>
+              <a:t>Many user-aggregated features within this dataset give us information about how likely a user is to repay their loan</a:t>
+            </a:r>
+            <a:endParaRPr lang="en-US" dirty="0" smtClean="0"/>
+          </a:p>
+          <a:p>
             <a:endParaRPr lang="en-US" dirty="0"/>
           </a:p>
         </p:txBody>

--- a/branch_presentation.pptx
+++ b/branch_presentation.pptx
@@ -5402,19 +5402,7 @@
               <a:rPr lang="en-US" dirty="0" smtClean="0">
                 <a:sym typeface="Wingdings"/>
               </a:rPr>
-              <a:t>“Failed” Count: R = .2728</a:t>
-            </a:r>
-            <a:r>
-              <a:rPr lang="en-US" smtClean="0">
-                <a:sym typeface="Wingdings"/>
-              </a:rPr>
-              <a:t>, p &lt; 1e</a:t>
-            </a:r>
-            <a:r>
-              <a:rPr lang="en-US" dirty="0" smtClean="0">
-                <a:sym typeface="Wingdings"/>
-              </a:rPr>
-              <a:t>-7</a:t>
+              <a:t>“Failed” Count: R = .2728, p &lt; 1e-7</a:t>
             </a:r>
             <a:endParaRPr lang="en-US" dirty="0"/>
           </a:p>
@@ -5494,6 +5482,17 @@
           <a:lstStyle/>
           <a:p>
             <a:r>
+              <a:rPr lang="en-US" dirty="0"/>
+              <a:t>Many user-aggregated features within this dataset give us information about how likely a user is to repay their </a:t>
+            </a:r>
+            <a:r>
+              <a:rPr lang="en-US" dirty="0" smtClean="0"/>
+              <a:t>loan</a:t>
+            </a:r>
+            <a:endParaRPr lang="en-US" dirty="0" smtClean="0"/>
+          </a:p>
+          <a:p>
+            <a:r>
               <a:rPr lang="en-US" dirty="0" smtClean="0"/>
               <a:t>We can assemble all the features examined and feed them into a model (random forest, logistic regression, etc.) </a:t>
             </a:r>
@@ -5507,7 +5506,11 @@
           <a:p>
             <a:r>
               <a:rPr lang="en-US" dirty="0" smtClean="0"/>
-              <a:t>Many user-aggregated features within this dataset give us information about how likely a user is to repay their loan</a:t>
+              <a:t>In the future, knowing a user’s contacts will be informative when we can access data on at least a small portion of </a:t>
+            </a:r>
+            <a:r>
+              <a:rPr lang="en-US" smtClean="0"/>
+              <a:t>those contacts</a:t>
             </a:r>
             <a:endParaRPr lang="en-US" dirty="0" smtClean="0"/>
           </a:p>
